--- a/1 sprint (1) definitivo.pptx
+++ b/1 sprint (1) definitivo.pptx
@@ -862,7 +862,7 @@
           <a:p>
             <a:fld id="{6FC5F3B9-FDB2-4E83-BCE3-70E9E7DD668A}" type="datetimeFigureOut">
               <a:rPr lang="pt-BR" smtClean="0"/>
-              <a:t>05/10/2025</a:t>
+              <a:t>02/11/2025</a:t>
             </a:fld>
             <a:endParaRPr lang="pt-BR"/>
           </a:p>
@@ -1113,7 +1113,7 @@
           <a:p>
             <a:fld id="{6FC5F3B9-FDB2-4E83-BCE3-70E9E7DD668A}" type="datetimeFigureOut">
               <a:rPr lang="pt-BR" smtClean="0"/>
-              <a:t>05/10/2025</a:t>
+              <a:t>02/11/2025</a:t>
             </a:fld>
             <a:endParaRPr lang="pt-BR"/>
           </a:p>
@@ -1427,7 +1427,7 @@
           <a:p>
             <a:fld id="{6FC5F3B9-FDB2-4E83-BCE3-70E9E7DD668A}" type="datetimeFigureOut">
               <a:rPr lang="pt-BR" smtClean="0"/>
-              <a:t>05/10/2025</a:t>
+              <a:t>02/11/2025</a:t>
             </a:fld>
             <a:endParaRPr lang="pt-BR"/>
           </a:p>
@@ -1760,7 +1760,7 @@
           <a:p>
             <a:fld id="{6FC5F3B9-FDB2-4E83-BCE3-70E9E7DD668A}" type="datetimeFigureOut">
               <a:rPr lang="pt-BR" smtClean="0"/>
-              <a:t>05/10/2025</a:t>
+              <a:t>02/11/2025</a:t>
             </a:fld>
             <a:endParaRPr lang="pt-BR"/>
           </a:p>
@@ -2074,7 +2074,7 @@
           <a:p>
             <a:fld id="{6FC5F3B9-FDB2-4E83-BCE3-70E9E7DD668A}" type="datetimeFigureOut">
               <a:rPr lang="pt-BR" smtClean="0"/>
-              <a:t>05/10/2025</a:t>
+              <a:t>02/11/2025</a:t>
             </a:fld>
             <a:endParaRPr lang="pt-BR"/>
           </a:p>
@@ -2467,7 +2467,7 @@
           <a:p>
             <a:fld id="{6FC5F3B9-FDB2-4E83-BCE3-70E9E7DD668A}" type="datetimeFigureOut">
               <a:rPr lang="pt-BR" smtClean="0"/>
-              <a:t>05/10/2025</a:t>
+              <a:t>02/11/2025</a:t>
             </a:fld>
             <a:endParaRPr lang="pt-BR"/>
           </a:p>
@@ -2637,7 +2637,7 @@
           <a:p>
             <a:fld id="{6FC5F3B9-FDB2-4E83-BCE3-70E9E7DD668A}" type="datetimeFigureOut">
               <a:rPr lang="pt-BR" smtClean="0"/>
-              <a:t>05/10/2025</a:t>
+              <a:t>02/11/2025</a:t>
             </a:fld>
             <a:endParaRPr lang="pt-BR"/>
           </a:p>
@@ -2817,7 +2817,7 @@
           <a:p>
             <a:fld id="{6FC5F3B9-FDB2-4E83-BCE3-70E9E7DD668A}" type="datetimeFigureOut">
               <a:rPr lang="pt-BR" smtClean="0"/>
-              <a:t>05/10/2025</a:t>
+              <a:t>02/11/2025</a:t>
             </a:fld>
             <a:endParaRPr lang="pt-BR"/>
           </a:p>
@@ -2987,7 +2987,7 @@
           <a:p>
             <a:fld id="{6FC5F3B9-FDB2-4E83-BCE3-70E9E7DD668A}" type="datetimeFigureOut">
               <a:rPr lang="pt-BR" smtClean="0"/>
-              <a:t>05/10/2025</a:t>
+              <a:t>02/11/2025</a:t>
             </a:fld>
             <a:endParaRPr lang="pt-BR"/>
           </a:p>
@@ -3234,7 +3234,7 @@
           <a:p>
             <a:fld id="{6FC5F3B9-FDB2-4E83-BCE3-70E9E7DD668A}" type="datetimeFigureOut">
               <a:rPr lang="pt-BR" smtClean="0"/>
-              <a:t>05/10/2025</a:t>
+              <a:t>02/11/2025</a:t>
             </a:fld>
             <a:endParaRPr lang="pt-BR"/>
           </a:p>
@@ -3466,7 +3466,7 @@
           <a:p>
             <a:fld id="{6FC5F3B9-FDB2-4E83-BCE3-70E9E7DD668A}" type="datetimeFigureOut">
               <a:rPr lang="pt-BR" smtClean="0"/>
-              <a:t>05/10/2025</a:t>
+              <a:t>02/11/2025</a:t>
             </a:fld>
             <a:endParaRPr lang="pt-BR"/>
           </a:p>
@@ -3840,7 +3840,7 @@
           <a:p>
             <a:fld id="{6FC5F3B9-FDB2-4E83-BCE3-70E9E7DD668A}" type="datetimeFigureOut">
               <a:rPr lang="pt-BR" smtClean="0"/>
-              <a:t>05/10/2025</a:t>
+              <a:t>02/11/2025</a:t>
             </a:fld>
             <a:endParaRPr lang="pt-BR"/>
           </a:p>
@@ -3963,7 +3963,7 @@
           <a:p>
             <a:fld id="{6FC5F3B9-FDB2-4E83-BCE3-70E9E7DD668A}" type="datetimeFigureOut">
               <a:rPr lang="pt-BR" smtClean="0"/>
-              <a:t>05/10/2025</a:t>
+              <a:t>02/11/2025</a:t>
             </a:fld>
             <a:endParaRPr lang="pt-BR"/>
           </a:p>
@@ -4058,7 +4058,7 @@
           <a:p>
             <a:fld id="{6FC5F3B9-FDB2-4E83-BCE3-70E9E7DD668A}" type="datetimeFigureOut">
               <a:rPr lang="pt-BR" smtClean="0"/>
-              <a:t>05/10/2025</a:t>
+              <a:t>02/11/2025</a:t>
             </a:fld>
             <a:endParaRPr lang="pt-BR"/>
           </a:p>
@@ -4313,7 +4313,7 @@
           <a:p>
             <a:fld id="{6FC5F3B9-FDB2-4E83-BCE3-70E9E7DD668A}" type="datetimeFigureOut">
               <a:rPr lang="pt-BR" smtClean="0"/>
-              <a:t>05/10/2025</a:t>
+              <a:t>02/11/2025</a:t>
             </a:fld>
             <a:endParaRPr lang="pt-BR"/>
           </a:p>
@@ -4618,7 +4618,7 @@
           <a:p>
             <a:fld id="{6FC5F3B9-FDB2-4E83-BCE3-70E9E7DD668A}" type="datetimeFigureOut">
               <a:rPr lang="pt-BR" smtClean="0"/>
-              <a:t>05/10/2025</a:t>
+              <a:t>02/11/2025</a:t>
             </a:fld>
             <a:endParaRPr lang="pt-BR"/>
           </a:p>
@@ -5320,7 +5320,7 @@
           <a:p>
             <a:fld id="{6FC5F3B9-FDB2-4E83-BCE3-70E9E7DD668A}" type="datetimeFigureOut">
               <a:rPr lang="pt-BR" smtClean="0"/>
-              <a:t>05/10/2025</a:t>
+              <a:t>02/11/2025</a:t>
             </a:fld>
             <a:endParaRPr lang="pt-BR"/>
           </a:p>
@@ -8584,23 +8584,6 @@
 </file>
 
 <file path=customXml/item1.xml><?xml version="1.0" encoding="utf-8"?>
-<p:properties xmlns:p="http://schemas.microsoft.com/office/2006/metadata/properties" xmlns:xsi="http://www.w3.org/2001/XMLSchema-instance" xmlns:pc="http://schemas.microsoft.com/office/infopath/2007/PartnerControls">
-  <documentManagement>
-    <_activity xmlns="8b4ed022-6705-4cac-96bf-fa54c8b5900a" xsi:nil="true"/>
-  </documentManagement>
-</p:properties>
-</file>
-
-<file path=customXml/item2.xml><?xml version="1.0" encoding="utf-8"?>
-<?mso-contentType ?>
-<FormTemplates xmlns="http://schemas.microsoft.com/sharepoint/v3/contenttype/forms">
-  <Display>DocumentLibraryForm</Display>
-  <Edit>DocumentLibraryForm</Edit>
-  <New>DocumentLibraryForm</New>
-</FormTemplates>
-</file>
-
-<file path=customXml/item3.xml><?xml version="1.0" encoding="utf-8"?>
 <ct:contentTypeSchema xmlns:ct="http://schemas.microsoft.com/office/2006/metadata/contentType" xmlns:ma="http://schemas.microsoft.com/office/2006/metadata/properties/metaAttributes" ct:_="" ma:_="" ma:contentTypeName="Document" ma:contentTypeID="0x010100662B7893C5F07942BCF73DDC6B37CDD7" ma:contentTypeVersion="9" ma:contentTypeDescription="Create a new document." ma:contentTypeScope="" ma:versionID="97f602836fcf1a1cdc9f602b7af7ffc3">
   <xsd:schema xmlns:xsd="http://www.w3.org/2001/XMLSchema" xmlns:xs="http://www.w3.org/2001/XMLSchema" xmlns:p="http://schemas.microsoft.com/office/2006/metadata/properties" xmlns:ns3="8b4ed022-6705-4cac-96bf-fa54c8b5900a" targetNamespace="http://schemas.microsoft.com/office/2006/metadata/properties" ma:root="true" ma:fieldsID="6609e7cb5beb52825fa50237b7a43221" ns3:_="">
     <xsd:import namespace="8b4ed022-6705-4cac-96bf-fa54c8b5900a"/>
@@ -8776,31 +8759,24 @@
 </ct:contentTypeSchema>
 </file>
 
-<file path=customXml/itemProps1.xml><?xml version="1.0" encoding="utf-8"?>
-<ds:datastoreItem xmlns:ds="http://schemas.openxmlformats.org/officeDocument/2006/customXml" ds:itemID="{1D669982-F70E-428B-9077-6017C8A74D3B}">
-  <ds:schemaRefs>
-    <ds:schemaRef ds:uri="http://purl.org/dc/terms/"/>
-    <ds:schemaRef ds:uri="http://schemas.microsoft.com/office/2006/documentManagement/types"/>
-    <ds:schemaRef ds:uri="http://schemas.microsoft.com/office/2006/metadata/properties"/>
-    <ds:schemaRef ds:uri="http://purl.org/dc/dcmitype/"/>
-    <ds:schemaRef ds:uri="http://purl.org/dc/elements/1.1/"/>
-    <ds:schemaRef ds:uri="http://www.w3.org/XML/1998/namespace"/>
-    <ds:schemaRef ds:uri="http://schemas.microsoft.com/office/infopath/2007/PartnerControls"/>
-    <ds:schemaRef ds:uri="http://schemas.openxmlformats.org/package/2006/metadata/core-properties"/>
-    <ds:schemaRef ds:uri="8b4ed022-6705-4cac-96bf-fa54c8b5900a"/>
-  </ds:schemaRefs>
-</ds:datastoreItem>
+<file path=customXml/item2.xml><?xml version="1.0" encoding="utf-8"?>
+<?mso-contentType ?>
+<FormTemplates xmlns="http://schemas.microsoft.com/sharepoint/v3/contenttype/forms">
+  <Display>DocumentLibraryForm</Display>
+  <Edit>DocumentLibraryForm</Edit>
+  <New>DocumentLibraryForm</New>
+</FormTemplates>
 </file>
 
-<file path=customXml/itemProps2.xml><?xml version="1.0" encoding="utf-8"?>
-<ds:datastoreItem xmlns:ds="http://schemas.openxmlformats.org/officeDocument/2006/customXml" ds:itemID="{A62FB3ED-DBBF-4A46-8B1D-29C7C7759556}">
-  <ds:schemaRefs>
-    <ds:schemaRef ds:uri="http://schemas.microsoft.com/sharepoint/v3/contenttype/forms"/>
-  </ds:schemaRefs>
-</ds:datastoreItem>
+<file path=customXml/item3.xml><?xml version="1.0" encoding="utf-8"?>
+<p:properties xmlns:p="http://schemas.microsoft.com/office/2006/metadata/properties" xmlns:xsi="http://www.w3.org/2001/XMLSchema-instance" xmlns:pc="http://schemas.microsoft.com/office/infopath/2007/PartnerControls">
+  <documentManagement>
+    <_activity xmlns="8b4ed022-6705-4cac-96bf-fa54c8b5900a" xsi:nil="true"/>
+  </documentManagement>
+</p:properties>
 </file>
 
-<file path=customXml/itemProps3.xml><?xml version="1.0" encoding="utf-8"?>
+<file path=customXml/itemProps1.xml><?xml version="1.0" encoding="utf-8"?>
 <ds:datastoreItem xmlns:ds="http://schemas.openxmlformats.org/officeDocument/2006/customXml" ds:itemID="{B01F888B-8C18-4EE7-BAE1-36DB75DD563C}">
   <ds:schemaRefs>
     <ds:schemaRef ds:uri="http://schemas.microsoft.com/office/2006/metadata/contentType"/>
@@ -8816,4 +8792,28 @@
     <ds:schemaRef ds:uri="http://schemas.microsoft.com/internal/obd"/>
   </ds:schemaRefs>
 </ds:datastoreItem>
+</file>
+
+<file path=customXml/itemProps2.xml><?xml version="1.0" encoding="utf-8"?>
+<ds:datastoreItem xmlns:ds="http://schemas.openxmlformats.org/officeDocument/2006/customXml" ds:itemID="{A62FB3ED-DBBF-4A46-8B1D-29C7C7759556}">
+  <ds:schemaRefs>
+    <ds:schemaRef ds:uri="http://schemas.microsoft.com/sharepoint/v3/contenttype/forms"/>
+  </ds:schemaRefs>
+</ds:datastoreItem>
+</file>
+
+<file path=customXml/itemProps3.xml><?xml version="1.0" encoding="utf-8"?>
+<ds:datastoreItem xmlns:ds="http://schemas.openxmlformats.org/officeDocument/2006/customXml" ds:itemID="{1D669982-F70E-428B-9077-6017C8A74D3B}">
+  <ds:schemaRefs>
+    <ds:schemaRef ds:uri="http://purl.org/dc/terms/"/>
+    <ds:schemaRef ds:uri="http://schemas.microsoft.com/office/2006/documentManagement/types"/>
+    <ds:schemaRef ds:uri="http://schemas.microsoft.com/office/2006/metadata/properties"/>
+    <ds:schemaRef ds:uri="http://purl.org/dc/dcmitype/"/>
+    <ds:schemaRef ds:uri="http://purl.org/dc/elements/1.1/"/>
+    <ds:schemaRef ds:uri="http://www.w3.org/XML/1998/namespace"/>
+    <ds:schemaRef ds:uri="http://schemas.microsoft.com/office/infopath/2007/PartnerControls"/>
+    <ds:schemaRef ds:uri="http://schemas.openxmlformats.org/package/2006/metadata/core-properties"/>
+    <ds:schemaRef ds:uri="8b4ed022-6705-4cac-96bf-fa54c8b5900a"/>
+  </ds:schemaRefs>
+</ds:datastoreItem>
 </file>